--- a/files/presentation.pptx
+++ b/files/presentation.pptx
@@ -140,6 +140,7 @@
     <p1510:client id="{29512B63-E33F-4C7A-BF5C-3B8DFED7761E}" v="486" dt="2022-03-26T00:23:19.484"/>
     <p1510:client id="{3F153372-C4C9-43BA-80C3-D009E688D409}" v="4" dt="2022-04-03T23:36:38.055"/>
     <p1510:client id="{452ED2D0-0009-4224-85BE-FEA14D325121}" v="1028" dt="2022-03-28T12:43:13.527"/>
+    <p1510:client id="{4AD576CA-2D2D-4A53-9E6C-D4FE04E9FD1C}" v="11" dt="2023-03-06T13:29:18.423"/>
     <p1510:client id="{65E66CFE-955E-482E-B58F-2745468970C0}" v="693" dt="2022-03-26T00:41:05.625"/>
     <p1510:client id="{79C84603-AF56-45C9-91A8-13A6296589BD}" v="19" dt="2022-03-31T13:08:04.687"/>
     <p1510:client id="{84A38247-0571-45D5-BD1E-1D4F0B36871C}" v="137" dt="2022-03-25T19:48:11.603"/>
@@ -4131,7 +4132,7 @@
           <a:p>
             <a:fld id="{65069166-DBCB-4757-9435-0C85FD16526D}" type="datetime1">
               <a:rPr lang="el-GR" smtClean="0"/>
-              <a:t>3/4/2022</a:t>
+              <a:t>6/3/2023</a:t>
             </a:fld>
             <a:endParaRPr lang="el-GR" dirty="0"/>
           </a:p>
@@ -4309,7 +4310,7 @@
             <a:fld id="{5A2F6483-C6D7-421E-8412-C9EECA727510}" type="datetime1">
               <a:rPr lang="el-GR" smtClean="0"/>
               <a:pPr/>
-              <a:t>3/4/2022</a:t>
+              <a:t>6/3/2023</a:t>
             </a:fld>
             <a:endParaRPr lang="el-GR" dirty="0"/>
           </a:p>
@@ -4825,7 +4826,7 @@
           <a:p>
             <a:fld id="{72EA7947-E287-4738-8C82-07CE4F01EF03}" type="datetime2">
               <a:rPr lang="en-US" smtClean="0"/>
-              <a:t>Sunday, April 3, 2022</a:t>
+              <a:t>Monday, March 6, 2023</a:t>
             </a:fld>
             <a:endParaRPr lang="en-US" dirty="0"/>
           </a:p>
@@ -5861,7 +5862,7 @@
           <a:p>
             <a:fld id="{EE2EBD84-71F4-4271-8C46-0D47C0A9B12E}" type="datetime2">
               <a:rPr lang="en-US" smtClean="0"/>
-              <a:t>Sunday, April 3, 2022</a:t>
+              <a:t>Monday, March 6, 2023</a:t>
             </a:fld>
             <a:endParaRPr lang="en-US"/>
           </a:p>
@@ -6072,7 +6073,7 @@
           <a:p>
             <a:fld id="{ABAE0CE1-F450-4107-B2CB-17B18F8A3F4A}" type="datetime2">
               <a:rPr lang="en-US" smtClean="0"/>
-              <a:t>Sunday, April 3, 2022</a:t>
+              <a:t>Monday, March 6, 2023</a:t>
             </a:fld>
             <a:endParaRPr lang="en-US"/>
           </a:p>
@@ -6737,7 +6738,7 @@
           <a:p>
             <a:fld id="{6FE8C025-CD7A-4966-867E-81CF82B15267}" type="datetime2">
               <a:rPr lang="en-US" smtClean="0"/>
-              <a:t>Sunday, April 3, 2022</a:t>
+              <a:t>Monday, March 6, 2023</a:t>
             </a:fld>
             <a:endParaRPr lang="en-US"/>
           </a:p>
@@ -7357,7 +7358,7 @@
           <a:p>
             <a:fld id="{FE809929-0719-4517-94D6-FDF7F99E70F6}" type="datetime2">
               <a:rPr lang="en-US" smtClean="0"/>
-              <a:t>Sunday, April 3, 2022</a:t>
+              <a:t>Monday, March 6, 2023</a:t>
             </a:fld>
             <a:endParaRPr lang="en-US"/>
           </a:p>
@@ -8475,7 +8476,7 @@
           <a:p>
             <a:fld id="{20E95673-5512-4AAA-9AEB-E00C61EC65D5}" type="datetime2">
               <a:rPr lang="en-US" smtClean="0"/>
-              <a:t>Sunday, April 3, 2022</a:t>
+              <a:t>Monday, March 6, 2023</a:t>
             </a:fld>
             <a:endParaRPr lang="en-US"/>
           </a:p>
@@ -9022,7 +9023,7 @@
           <a:p>
             <a:fld id="{C13138FA-2E87-4873-8BBA-13E447C9A99A}" type="datetime2">
               <a:rPr lang="en-US" smtClean="0"/>
-              <a:t>Sunday, April 3, 2022</a:t>
+              <a:t>Monday, March 6, 2023</a:t>
             </a:fld>
             <a:endParaRPr lang="en-US"/>
           </a:p>
@@ -9183,7 +9184,7 @@
           <a:p>
             <a:fld id="{D75BB40A-97BD-4BFB-B639-0BFF95FDE8B7}" type="datetime2">
               <a:rPr lang="en-US" smtClean="0"/>
-              <a:t>Sunday, April 3, 2022</a:t>
+              <a:t>Monday, March 6, 2023</a:t>
             </a:fld>
             <a:endParaRPr lang="en-US"/>
           </a:p>
@@ -10218,7 +10219,7 @@
           <a:p>
             <a:fld id="{9EE9E0E3-ECF6-4CFE-8698-AEFEBCECC3C0}" type="datetime2">
               <a:rPr lang="en-US" smtClean="0"/>
-              <a:t>Sunday, April 3, 2022</a:t>
+              <a:t>Monday, March 6, 2023</a:t>
             </a:fld>
             <a:endParaRPr lang="en-US"/>
           </a:p>
@@ -10864,7 +10865,7 @@
           <a:p>
             <a:fld id="{251462FC-960E-4740-921F-B36862979F21}" type="datetime2">
               <a:rPr lang="en-US" smtClean="0"/>
-              <a:t>Sunday, April 3, 2022</a:t>
+              <a:t>Monday, March 6, 2023</a:t>
             </a:fld>
             <a:endParaRPr lang="en-US"/>
           </a:p>
@@ -11628,7 +11629,7 @@
           <a:p>
             <a:fld id="{E50BC9E2-CB44-4C05-9BB5-496C18A241E0}" type="datetime2">
               <a:rPr lang="en-US" smtClean="0"/>
-              <a:t>Sunday, April 3, 2022</a:t>
+              <a:t>Monday, March 6, 2023</a:t>
             </a:fld>
             <a:endParaRPr lang="en-US"/>
           </a:p>
@@ -11881,7 +11882,7 @@
           <a:p>
             <a:fld id="{246CB39B-5F4C-4A7E-9BE3-AAFD45576D16}" type="datetime2">
               <a:rPr lang="en-US" smtClean="0"/>
-              <a:t>Sunday, April 3, 2022</a:t>
+              <a:t>Monday, March 6, 2023</a:t>
             </a:fld>
             <a:endParaRPr lang="en-US" dirty="0"/>
           </a:p>
@@ -12492,7 +12493,7 @@
                 <a:latin typeface="Calibri"/>
                 <a:cs typeface="Calibri"/>
               </a:rPr>
-              <a:t>DIAMANTIS RAFAIL PAPADAM - 2017030044</a:t>
+              <a:t>DIAMANTIS RAFAIL PAPADAM</a:t>
             </a:r>
             <a:endParaRPr lang="el-GR" dirty="0">
               <a:solidFill>
